--- a/documents/SafeGraph 1015 presentation.pptx
+++ b/documents/SafeGraph 1015 presentation.pptx
@@ -12474,8 +12474,8 @@
         </p:nvSpPr>
         <p:spPr>
           <a:xfrm>
-            <a:off x="1143000" y="1856500"/>
-            <a:ext cx="3198600" cy="252600"/>
+            <a:off x="677491" y="1190870"/>
+            <a:ext cx="3571780" cy="2641542"/>
           </a:xfrm>
           <a:prstGeom prst="rect">
             <a:avLst/>
@@ -12497,10 +12497,10 @@
               <a:buNone/>
             </a:pPr>
             <a:r>
-              <a:rPr lang="en"/>
-              <a:t>An interesting statement that accompanies an image would work well here.</a:t>
+              <a:rPr lang="en" dirty="0"/>
+              <a:t>Median income for gas station customers had decreases in 8 of top 10 counties in GA between 7/19 and 7/21.</a:t>
             </a:r>
-            <a:endParaRPr/>
+            <a:endParaRPr dirty="0"/>
           </a:p>
         </p:txBody>
       </p:sp>
@@ -12572,7 +12572,7 @@
         <p:spPr>
           <a:xfrm>
             <a:off x="751114" y="1233503"/>
-            <a:ext cx="3198600" cy="252600"/>
+            <a:ext cx="2852698" cy="2612356"/>
           </a:xfrm>
           <a:prstGeom prst="rect">
             <a:avLst/>
@@ -12595,11 +12595,7 @@
             </a:pPr>
             <a:r>
               <a:rPr lang="en-US" dirty="0"/>
-              <a:t>A</a:t>
-            </a:r>
-            <a:r>
-              <a:rPr lang="en" dirty="0"/>
-              <a:t>ge comment</a:t>
+              <a:t>Median age had no abnormal shift between 7/19 and 7/21.  </a:t>
             </a:r>
             <a:endParaRPr dirty="0"/>
           </a:p>
@@ -12607,10 +12603,10 @@
       </p:sp>
       <p:pic>
         <p:nvPicPr>
-          <p:cNvPr id="7" name="Picture 6">
+          <p:cNvPr id="3" name="Picture 2">
             <a:extLst>
               <a:ext uri="{FF2B5EF4-FFF2-40B4-BE49-F238E27FC236}">
-                <a16:creationId xmlns:a16="http://schemas.microsoft.com/office/drawing/2014/main" id="{653EA185-81A2-4DD0-8C47-152BE78AA683}"/>
+                <a16:creationId xmlns:a16="http://schemas.microsoft.com/office/drawing/2014/main" id="{4CE82FDE-34AB-484F-8290-918BD6E3E7AD}"/>
               </a:ext>
             </a:extLst>
           </p:cNvPr>
@@ -12627,8 +12623,8 @@
         </p:blipFill>
         <p:spPr>
           <a:xfrm>
-            <a:off x="3818374" y="401783"/>
-            <a:ext cx="4648135" cy="4114800"/>
+            <a:off x="3718111" y="780932"/>
+            <a:ext cx="4755457" cy="3330242"/>
           </a:xfrm>
           <a:prstGeom prst="rect">
             <a:avLst/>
@@ -12677,8 +12673,8 @@
         </p:nvSpPr>
         <p:spPr>
           <a:xfrm>
-            <a:off x="751114" y="1233503"/>
-            <a:ext cx="2926583" cy="252600"/>
+            <a:off x="751114" y="1233502"/>
+            <a:ext cx="2926583" cy="2619079"/>
           </a:xfrm>
           <a:prstGeom prst="rect">
             <a:avLst/>

--- a/documents/SafeGraph 1015 presentation.pptx
+++ b/documents/SafeGraph 1015 presentation.pptx
@@ -12526,14 +12526,51 @@
         </p:blipFill>
         <p:spPr>
           <a:xfrm>
-            <a:off x="4341600" y="401783"/>
-            <a:ext cx="4124909" cy="4114800"/>
+            <a:off x="3980330" y="401783"/>
+            <a:ext cx="4486180" cy="4114800"/>
           </a:xfrm>
           <a:prstGeom prst="rect">
             <a:avLst/>
           </a:prstGeom>
         </p:spPr>
       </p:pic>
+      <p:sp>
+        <p:nvSpPr>
+          <p:cNvPr id="2" name="TextBox 1">
+            <a:extLst>
+              <a:ext uri="{FF2B5EF4-FFF2-40B4-BE49-F238E27FC236}">
+                <a16:creationId xmlns:a16="http://schemas.microsoft.com/office/drawing/2014/main" id="{3D6F4CAF-AB3B-4ED5-A760-F375EB37F216}"/>
+              </a:ext>
+            </a:extLst>
+          </p:cNvPr>
+          <p:cNvSpPr txBox="1"/>
+          <p:nvPr/>
+        </p:nvSpPr>
+        <p:spPr>
+          <a:xfrm>
+            <a:off x="4397188" y="337805"/>
+            <a:ext cx="4128247" cy="230832"/>
+          </a:xfrm>
+          <a:prstGeom prst="rect">
+            <a:avLst/>
+          </a:prstGeom>
+          <a:solidFill>
+            <a:schemeClr val="bg1"/>
+          </a:solidFill>
+        </p:spPr>
+        <p:txBody>
+          <a:bodyPr wrap="square" rtlCol="0">
+            <a:spAutoFit/>
+          </a:bodyPr>
+          <a:lstStyle/>
+          <a:p>
+            <a:r>
+              <a:rPr lang="en-US" sz="900" dirty="0"/>
+              <a:t>Change In Median Income By 10 Highest Median Income Counties</a:t>
+            </a:r>
+          </a:p>
+        </p:txBody>
+      </p:sp>
     </p:spTree>
   </p:cSld>
   <p:clrMapOvr>
@@ -12631,6 +12668,44 @@
           </a:prstGeom>
         </p:spPr>
       </p:pic>
+      <p:sp>
+        <p:nvSpPr>
+          <p:cNvPr id="4" name="TextBox 3">
+            <a:extLst>
+              <a:ext uri="{FF2B5EF4-FFF2-40B4-BE49-F238E27FC236}">
+                <a16:creationId xmlns:a16="http://schemas.microsoft.com/office/drawing/2014/main" id="{FDAEDAD3-9C13-4BA3-ACB9-CAF278137873}"/>
+              </a:ext>
+            </a:extLst>
+          </p:cNvPr>
+          <p:cNvSpPr txBox="1"/>
+          <p:nvPr/>
+        </p:nvSpPr>
+        <p:spPr>
+          <a:xfrm>
+            <a:off x="3919817" y="780932"/>
+            <a:ext cx="4128247" cy="230832"/>
+          </a:xfrm>
+          <a:prstGeom prst="rect">
+            <a:avLst/>
+          </a:prstGeom>
+          <a:solidFill>
+            <a:schemeClr val="bg1"/>
+          </a:solidFill>
+        </p:spPr>
+        <p:txBody>
+          <a:bodyPr wrap="square" rtlCol="0">
+            <a:spAutoFit/>
+          </a:bodyPr>
+          <a:lstStyle/>
+          <a:p>
+            <a:pPr algn="ctr"/>
+            <a:r>
+              <a:rPr lang="en-US" sz="900" dirty="0"/>
+              <a:t>Change In Median Age By 10 Highest Median Income Counties</a:t>
+            </a:r>
+          </a:p>
+        </p:txBody>
+      </p:sp>
     </p:spTree>
     <p:extLst>
       <p:ext uri="{BB962C8B-B14F-4D97-AF65-F5344CB8AC3E}">
@@ -12959,6 +13034,1150 @@
               <a:rPr lang="en-US" dirty="0"/>
               <a:t>Analysis By Census Blocks</a:t>
             </a:r>
+          </a:p>
+        </p:txBody>
+      </p:sp>
+      <p:sp>
+        <p:nvSpPr>
+          <p:cNvPr id="9" name="Subtitle 2">
+            <a:extLst>
+              <a:ext uri="{FF2B5EF4-FFF2-40B4-BE49-F238E27FC236}">
+                <a16:creationId xmlns:a16="http://schemas.microsoft.com/office/drawing/2014/main" id="{867A327B-275F-46D1-BA70-ED84397A1603}"/>
+              </a:ext>
+            </a:extLst>
+          </p:cNvPr>
+          <p:cNvSpPr txBox="1">
+            <a:spLocks/>
+          </p:cNvSpPr>
+          <p:nvPr/>
+        </p:nvSpPr>
+        <p:spPr>
+          <a:xfrm>
+            <a:off x="4195225" y="1325700"/>
+            <a:ext cx="3129300" cy="711600"/>
+          </a:xfrm>
+          <a:prstGeom prst="rect">
+            <a:avLst/>
+          </a:prstGeom>
+          <a:noFill/>
+          <a:ln>
+            <a:noFill/>
+          </a:ln>
+        </p:spPr>
+        <p:txBody>
+          <a:bodyPr spcFirstLastPara="1" wrap="square" lIns="0" tIns="0" rIns="0" bIns="0" anchor="t" anchorCtr="0">
+            <a:noAutofit/>
+          </a:bodyPr>
+          <a:lstStyle>
+            <a:defPPr marR="0" lvl="0" algn="l" rtl="0">
+              <a:lnSpc>
+                <a:spcPct val="100000"/>
+              </a:lnSpc>
+              <a:spcBef>
+                <a:spcPts val="0"/>
+              </a:spcBef>
+              <a:spcAft>
+                <a:spcPts val="0"/>
+              </a:spcAft>
+            </a:defPPr>
+            <a:lvl1pPr marL="0" marR="0" lvl="0" indent="0" algn="l" rtl="0">
+              <a:lnSpc>
+                <a:spcPct val="128571"/>
+              </a:lnSpc>
+              <a:spcBef>
+                <a:spcPts val="0"/>
+              </a:spcBef>
+              <a:spcAft>
+                <a:spcPts val="0"/>
+              </a:spcAft>
+              <a:buClr>
+                <a:srgbClr val="000000"/>
+              </a:buClr>
+              <a:buFont typeface="Arial"/>
+              <a:buNone/>
+              <a:defRPr sz="1100" b="0" i="0" u="none" strike="noStrike" cap="none">
+                <a:solidFill>
+                  <a:schemeClr val="dk2"/>
+                </a:solidFill>
+                <a:latin typeface="Rubik"/>
+                <a:ea typeface="Rubik"/>
+                <a:cs typeface="Rubik"/>
+                <a:sym typeface="Rubik"/>
+              </a:defRPr>
+            </a:lvl1pPr>
+            <a:lvl2pPr marR="0" lvl="1" algn="l" rtl="0">
+              <a:lnSpc>
+                <a:spcPct val="115000"/>
+              </a:lnSpc>
+              <a:spcBef>
+                <a:spcPts val="0"/>
+              </a:spcBef>
+              <a:spcAft>
+                <a:spcPts val="0"/>
+              </a:spcAft>
+              <a:buClr>
+                <a:schemeClr val="dk2"/>
+              </a:buClr>
+              <a:buSzPts val="1400"/>
+              <a:buFont typeface="Rubik"/>
+              <a:buNone/>
+              <a:defRPr sz="1400" b="0" i="0" u="none" strike="noStrike" cap="none">
+                <a:solidFill>
+                  <a:schemeClr val="dk2"/>
+                </a:solidFill>
+                <a:latin typeface="Rubik"/>
+                <a:ea typeface="Rubik"/>
+                <a:cs typeface="Rubik"/>
+                <a:sym typeface="Rubik"/>
+              </a:defRPr>
+            </a:lvl2pPr>
+            <a:lvl3pPr marR="0" lvl="2" algn="l" rtl="0">
+              <a:lnSpc>
+                <a:spcPct val="115000"/>
+              </a:lnSpc>
+              <a:spcBef>
+                <a:spcPts val="0"/>
+              </a:spcBef>
+              <a:spcAft>
+                <a:spcPts val="0"/>
+              </a:spcAft>
+              <a:buClr>
+                <a:schemeClr val="dk2"/>
+              </a:buClr>
+              <a:buSzPts val="1400"/>
+              <a:buFont typeface="Rubik"/>
+              <a:buNone/>
+              <a:defRPr sz="1400" b="0" i="0" u="none" strike="noStrike" cap="none">
+                <a:solidFill>
+                  <a:schemeClr val="dk2"/>
+                </a:solidFill>
+                <a:latin typeface="Rubik"/>
+                <a:ea typeface="Rubik"/>
+                <a:cs typeface="Rubik"/>
+                <a:sym typeface="Rubik"/>
+              </a:defRPr>
+            </a:lvl3pPr>
+            <a:lvl4pPr marR="0" lvl="3" algn="l" rtl="0">
+              <a:lnSpc>
+                <a:spcPct val="115000"/>
+              </a:lnSpc>
+              <a:spcBef>
+                <a:spcPts val="0"/>
+              </a:spcBef>
+              <a:spcAft>
+                <a:spcPts val="0"/>
+              </a:spcAft>
+              <a:buClr>
+                <a:schemeClr val="dk2"/>
+              </a:buClr>
+              <a:buSzPts val="1400"/>
+              <a:buFont typeface="Rubik"/>
+              <a:buNone/>
+              <a:defRPr sz="1400" b="0" i="0" u="none" strike="noStrike" cap="none">
+                <a:solidFill>
+                  <a:schemeClr val="dk2"/>
+                </a:solidFill>
+                <a:latin typeface="Rubik"/>
+                <a:ea typeface="Rubik"/>
+                <a:cs typeface="Rubik"/>
+                <a:sym typeface="Rubik"/>
+              </a:defRPr>
+            </a:lvl4pPr>
+            <a:lvl5pPr marR="0" lvl="4" algn="l" rtl="0">
+              <a:lnSpc>
+                <a:spcPct val="115000"/>
+              </a:lnSpc>
+              <a:spcBef>
+                <a:spcPts val="0"/>
+              </a:spcBef>
+              <a:spcAft>
+                <a:spcPts val="0"/>
+              </a:spcAft>
+              <a:buClr>
+                <a:schemeClr val="dk2"/>
+              </a:buClr>
+              <a:buSzPts val="1400"/>
+              <a:buFont typeface="Rubik"/>
+              <a:buNone/>
+              <a:defRPr sz="1400" b="0" i="0" u="none" strike="noStrike" cap="none">
+                <a:solidFill>
+                  <a:schemeClr val="dk2"/>
+                </a:solidFill>
+                <a:latin typeface="Rubik"/>
+                <a:ea typeface="Rubik"/>
+                <a:cs typeface="Rubik"/>
+                <a:sym typeface="Rubik"/>
+              </a:defRPr>
+            </a:lvl5pPr>
+            <a:lvl6pPr marR="0" lvl="5" algn="l" rtl="0">
+              <a:lnSpc>
+                <a:spcPct val="115000"/>
+              </a:lnSpc>
+              <a:spcBef>
+                <a:spcPts val="0"/>
+              </a:spcBef>
+              <a:spcAft>
+                <a:spcPts val="0"/>
+              </a:spcAft>
+              <a:buClr>
+                <a:schemeClr val="dk2"/>
+              </a:buClr>
+              <a:buSzPts val="1400"/>
+              <a:buFont typeface="Rubik"/>
+              <a:buNone/>
+              <a:defRPr sz="1400" b="0" i="0" u="none" strike="noStrike" cap="none">
+                <a:solidFill>
+                  <a:schemeClr val="dk2"/>
+                </a:solidFill>
+                <a:latin typeface="Rubik"/>
+                <a:ea typeface="Rubik"/>
+                <a:cs typeface="Rubik"/>
+                <a:sym typeface="Rubik"/>
+              </a:defRPr>
+            </a:lvl6pPr>
+            <a:lvl7pPr marR="0" lvl="6" algn="l" rtl="0">
+              <a:lnSpc>
+                <a:spcPct val="115000"/>
+              </a:lnSpc>
+              <a:spcBef>
+                <a:spcPts val="0"/>
+              </a:spcBef>
+              <a:spcAft>
+                <a:spcPts val="0"/>
+              </a:spcAft>
+              <a:buClr>
+                <a:schemeClr val="dk2"/>
+              </a:buClr>
+              <a:buSzPts val="1400"/>
+              <a:buFont typeface="Rubik"/>
+              <a:buNone/>
+              <a:defRPr sz="1400" b="0" i="0" u="none" strike="noStrike" cap="none">
+                <a:solidFill>
+                  <a:schemeClr val="dk2"/>
+                </a:solidFill>
+                <a:latin typeface="Rubik"/>
+                <a:ea typeface="Rubik"/>
+                <a:cs typeface="Rubik"/>
+                <a:sym typeface="Rubik"/>
+              </a:defRPr>
+            </a:lvl7pPr>
+            <a:lvl8pPr marR="0" lvl="7" algn="l" rtl="0">
+              <a:lnSpc>
+                <a:spcPct val="115000"/>
+              </a:lnSpc>
+              <a:spcBef>
+                <a:spcPts val="0"/>
+              </a:spcBef>
+              <a:spcAft>
+                <a:spcPts val="0"/>
+              </a:spcAft>
+              <a:buClr>
+                <a:schemeClr val="dk2"/>
+              </a:buClr>
+              <a:buSzPts val="1400"/>
+              <a:buFont typeface="Rubik"/>
+              <a:buNone/>
+              <a:defRPr sz="1400" b="0" i="0" u="none" strike="noStrike" cap="none">
+                <a:solidFill>
+                  <a:schemeClr val="dk2"/>
+                </a:solidFill>
+                <a:latin typeface="Rubik"/>
+                <a:ea typeface="Rubik"/>
+                <a:cs typeface="Rubik"/>
+                <a:sym typeface="Rubik"/>
+              </a:defRPr>
+            </a:lvl8pPr>
+            <a:lvl9pPr marR="0" lvl="8" algn="l" rtl="0">
+              <a:lnSpc>
+                <a:spcPct val="115000"/>
+              </a:lnSpc>
+              <a:spcBef>
+                <a:spcPts val="0"/>
+              </a:spcBef>
+              <a:spcAft>
+                <a:spcPts val="0"/>
+              </a:spcAft>
+              <a:buClr>
+                <a:schemeClr val="dk2"/>
+              </a:buClr>
+              <a:buSzPts val="1400"/>
+              <a:buFont typeface="Rubik"/>
+              <a:buNone/>
+              <a:defRPr sz="1400" b="0" i="0" u="none" strike="noStrike" cap="none">
+                <a:solidFill>
+                  <a:schemeClr val="dk2"/>
+                </a:solidFill>
+                <a:latin typeface="Rubik"/>
+                <a:ea typeface="Rubik"/>
+                <a:cs typeface="Rubik"/>
+                <a:sym typeface="Rubik"/>
+              </a:defRPr>
+            </a:lvl9pPr>
+          </a:lstStyle>
+          <a:p>
+            <a:r>
+              <a:rPr lang="en-US" dirty="0"/>
+              <a:t>Additional research should be conducted by per capita numbers to ensure no bias.</a:t>
+            </a:r>
+          </a:p>
+        </p:txBody>
+      </p:sp>
+      <p:sp>
+        <p:nvSpPr>
+          <p:cNvPr id="10" name="Subtitle 3">
+            <a:extLst>
+              <a:ext uri="{FF2B5EF4-FFF2-40B4-BE49-F238E27FC236}">
+                <a16:creationId xmlns:a16="http://schemas.microsoft.com/office/drawing/2014/main" id="{1D44F244-A668-4215-A87E-139B0D39D7DC}"/>
+              </a:ext>
+            </a:extLst>
+          </p:cNvPr>
+          <p:cNvSpPr txBox="1">
+            <a:spLocks/>
+          </p:cNvSpPr>
+          <p:nvPr/>
+        </p:nvSpPr>
+        <p:spPr>
+          <a:xfrm>
+            <a:off x="4195225" y="1070175"/>
+            <a:ext cx="3336000" cy="252600"/>
+          </a:xfrm>
+          <a:prstGeom prst="rect">
+            <a:avLst/>
+          </a:prstGeom>
+          <a:noFill/>
+          <a:ln>
+            <a:noFill/>
+          </a:ln>
+        </p:spPr>
+        <p:txBody>
+          <a:bodyPr spcFirstLastPara="1" wrap="square" lIns="0" tIns="0" rIns="0" bIns="0" anchor="t" anchorCtr="0">
+            <a:noAutofit/>
+          </a:bodyPr>
+          <a:lstStyle>
+            <a:defPPr marR="0" lvl="0" algn="l" rtl="0">
+              <a:lnSpc>
+                <a:spcPct val="100000"/>
+              </a:lnSpc>
+              <a:spcBef>
+                <a:spcPts val="0"/>
+              </a:spcBef>
+              <a:spcAft>
+                <a:spcPts val="0"/>
+              </a:spcAft>
+            </a:defPPr>
+            <a:lvl1pPr marL="0" marR="0" lvl="0" indent="0" algn="l" rtl="0">
+              <a:lnSpc>
+                <a:spcPct val="116666"/>
+              </a:lnSpc>
+              <a:spcBef>
+                <a:spcPts val="0"/>
+              </a:spcBef>
+              <a:spcAft>
+                <a:spcPts val="0"/>
+              </a:spcAft>
+              <a:buClr>
+                <a:srgbClr val="000000"/>
+              </a:buClr>
+              <a:buFont typeface="Arial"/>
+              <a:buNone/>
+              <a:defRPr sz="1400" b="0" i="0" u="none" strike="noStrike" cap="none">
+                <a:solidFill>
+                  <a:srgbClr val="414A5B"/>
+                </a:solidFill>
+                <a:latin typeface="Rubik Medium"/>
+                <a:ea typeface="Rubik Medium"/>
+                <a:cs typeface="Rubik Medium"/>
+                <a:sym typeface="Rubik Medium"/>
+              </a:defRPr>
+            </a:lvl1pPr>
+            <a:lvl2pPr marR="0" lvl="1" algn="l" rtl="0">
+              <a:lnSpc>
+                <a:spcPct val="115000"/>
+              </a:lnSpc>
+              <a:spcBef>
+                <a:spcPts val="0"/>
+              </a:spcBef>
+              <a:spcAft>
+                <a:spcPts val="0"/>
+              </a:spcAft>
+              <a:buClr>
+                <a:schemeClr val="dk2"/>
+              </a:buClr>
+              <a:buSzPts val="1400"/>
+              <a:buFont typeface="Rubik Medium"/>
+              <a:buNone/>
+              <a:defRPr sz="1400" b="0" i="0" u="none" strike="noStrike" cap="none">
+                <a:solidFill>
+                  <a:schemeClr val="dk2"/>
+                </a:solidFill>
+                <a:latin typeface="Rubik Medium"/>
+                <a:ea typeface="Rubik Medium"/>
+                <a:cs typeface="Rubik Medium"/>
+                <a:sym typeface="Rubik Medium"/>
+              </a:defRPr>
+            </a:lvl2pPr>
+            <a:lvl3pPr marR="0" lvl="2" algn="l" rtl="0">
+              <a:lnSpc>
+                <a:spcPct val="115000"/>
+              </a:lnSpc>
+              <a:spcBef>
+                <a:spcPts val="0"/>
+              </a:spcBef>
+              <a:spcAft>
+                <a:spcPts val="0"/>
+              </a:spcAft>
+              <a:buClr>
+                <a:schemeClr val="dk2"/>
+              </a:buClr>
+              <a:buSzPts val="1400"/>
+              <a:buFont typeface="Rubik Medium"/>
+              <a:buNone/>
+              <a:defRPr sz="1400" b="0" i="0" u="none" strike="noStrike" cap="none">
+                <a:solidFill>
+                  <a:schemeClr val="dk2"/>
+                </a:solidFill>
+                <a:latin typeface="Rubik Medium"/>
+                <a:ea typeface="Rubik Medium"/>
+                <a:cs typeface="Rubik Medium"/>
+                <a:sym typeface="Rubik Medium"/>
+              </a:defRPr>
+            </a:lvl3pPr>
+            <a:lvl4pPr marR="0" lvl="3" algn="l" rtl="0">
+              <a:lnSpc>
+                <a:spcPct val="115000"/>
+              </a:lnSpc>
+              <a:spcBef>
+                <a:spcPts val="0"/>
+              </a:spcBef>
+              <a:spcAft>
+                <a:spcPts val="0"/>
+              </a:spcAft>
+              <a:buClr>
+                <a:schemeClr val="dk2"/>
+              </a:buClr>
+              <a:buSzPts val="1400"/>
+              <a:buFont typeface="Rubik Medium"/>
+              <a:buNone/>
+              <a:defRPr sz="1400" b="0" i="0" u="none" strike="noStrike" cap="none">
+                <a:solidFill>
+                  <a:schemeClr val="dk2"/>
+                </a:solidFill>
+                <a:latin typeface="Rubik Medium"/>
+                <a:ea typeface="Rubik Medium"/>
+                <a:cs typeface="Rubik Medium"/>
+                <a:sym typeface="Rubik Medium"/>
+              </a:defRPr>
+            </a:lvl4pPr>
+            <a:lvl5pPr marR="0" lvl="4" algn="l" rtl="0">
+              <a:lnSpc>
+                <a:spcPct val="115000"/>
+              </a:lnSpc>
+              <a:spcBef>
+                <a:spcPts val="0"/>
+              </a:spcBef>
+              <a:spcAft>
+                <a:spcPts val="0"/>
+              </a:spcAft>
+              <a:buClr>
+                <a:schemeClr val="dk2"/>
+              </a:buClr>
+              <a:buSzPts val="1400"/>
+              <a:buFont typeface="Rubik Medium"/>
+              <a:buNone/>
+              <a:defRPr sz="1400" b="0" i="0" u="none" strike="noStrike" cap="none">
+                <a:solidFill>
+                  <a:schemeClr val="dk2"/>
+                </a:solidFill>
+                <a:latin typeface="Rubik Medium"/>
+                <a:ea typeface="Rubik Medium"/>
+                <a:cs typeface="Rubik Medium"/>
+                <a:sym typeface="Rubik Medium"/>
+              </a:defRPr>
+            </a:lvl5pPr>
+            <a:lvl6pPr marR="0" lvl="5" algn="l" rtl="0">
+              <a:lnSpc>
+                <a:spcPct val="115000"/>
+              </a:lnSpc>
+              <a:spcBef>
+                <a:spcPts val="0"/>
+              </a:spcBef>
+              <a:spcAft>
+                <a:spcPts val="0"/>
+              </a:spcAft>
+              <a:buClr>
+                <a:schemeClr val="dk2"/>
+              </a:buClr>
+              <a:buSzPts val="1400"/>
+              <a:buFont typeface="Rubik Medium"/>
+              <a:buNone/>
+              <a:defRPr sz="1400" b="0" i="0" u="none" strike="noStrike" cap="none">
+                <a:solidFill>
+                  <a:schemeClr val="dk2"/>
+                </a:solidFill>
+                <a:latin typeface="Rubik Medium"/>
+                <a:ea typeface="Rubik Medium"/>
+                <a:cs typeface="Rubik Medium"/>
+                <a:sym typeface="Rubik Medium"/>
+              </a:defRPr>
+            </a:lvl6pPr>
+            <a:lvl7pPr marR="0" lvl="6" algn="l" rtl="0">
+              <a:lnSpc>
+                <a:spcPct val="115000"/>
+              </a:lnSpc>
+              <a:spcBef>
+                <a:spcPts val="0"/>
+              </a:spcBef>
+              <a:spcAft>
+                <a:spcPts val="0"/>
+              </a:spcAft>
+              <a:buClr>
+                <a:schemeClr val="dk2"/>
+              </a:buClr>
+              <a:buSzPts val="1400"/>
+              <a:buFont typeface="Rubik Medium"/>
+              <a:buNone/>
+              <a:defRPr sz="1400" b="0" i="0" u="none" strike="noStrike" cap="none">
+                <a:solidFill>
+                  <a:schemeClr val="dk2"/>
+                </a:solidFill>
+                <a:latin typeface="Rubik Medium"/>
+                <a:ea typeface="Rubik Medium"/>
+                <a:cs typeface="Rubik Medium"/>
+                <a:sym typeface="Rubik Medium"/>
+              </a:defRPr>
+            </a:lvl7pPr>
+            <a:lvl8pPr marR="0" lvl="7" algn="l" rtl="0">
+              <a:lnSpc>
+                <a:spcPct val="115000"/>
+              </a:lnSpc>
+              <a:spcBef>
+                <a:spcPts val="0"/>
+              </a:spcBef>
+              <a:spcAft>
+                <a:spcPts val="0"/>
+              </a:spcAft>
+              <a:buClr>
+                <a:schemeClr val="dk2"/>
+              </a:buClr>
+              <a:buSzPts val="1400"/>
+              <a:buFont typeface="Rubik Medium"/>
+              <a:buNone/>
+              <a:defRPr sz="1400" b="0" i="0" u="none" strike="noStrike" cap="none">
+                <a:solidFill>
+                  <a:schemeClr val="dk2"/>
+                </a:solidFill>
+                <a:latin typeface="Rubik Medium"/>
+                <a:ea typeface="Rubik Medium"/>
+                <a:cs typeface="Rubik Medium"/>
+                <a:sym typeface="Rubik Medium"/>
+              </a:defRPr>
+            </a:lvl8pPr>
+            <a:lvl9pPr marR="0" lvl="8" algn="l" rtl="0">
+              <a:lnSpc>
+                <a:spcPct val="115000"/>
+              </a:lnSpc>
+              <a:spcBef>
+                <a:spcPts val="0"/>
+              </a:spcBef>
+              <a:spcAft>
+                <a:spcPts val="0"/>
+              </a:spcAft>
+              <a:buClr>
+                <a:schemeClr val="dk2"/>
+              </a:buClr>
+              <a:buSzPts val="1400"/>
+              <a:buFont typeface="Rubik Medium"/>
+              <a:buNone/>
+              <a:defRPr sz="1400" b="0" i="0" u="none" strike="noStrike" cap="none">
+                <a:solidFill>
+                  <a:schemeClr val="dk2"/>
+                </a:solidFill>
+                <a:latin typeface="Rubik Medium"/>
+                <a:ea typeface="Rubik Medium"/>
+                <a:cs typeface="Rubik Medium"/>
+                <a:sym typeface="Rubik Medium"/>
+              </a:defRPr>
+            </a:lvl9pPr>
+          </a:lstStyle>
+          <a:p>
+            <a:r>
+              <a:rPr lang="en-US" dirty="0"/>
+              <a:t>Analysis Per Capita</a:t>
+            </a:r>
+          </a:p>
+        </p:txBody>
+      </p:sp>
+      <p:sp>
+        <p:nvSpPr>
+          <p:cNvPr id="13" name="Subtitle 6">
+            <a:extLst>
+              <a:ext uri="{FF2B5EF4-FFF2-40B4-BE49-F238E27FC236}">
+                <a16:creationId xmlns:a16="http://schemas.microsoft.com/office/drawing/2014/main" id="{66EDD4A6-0B1C-4062-A958-09135BCE754A}"/>
+              </a:ext>
+            </a:extLst>
+          </p:cNvPr>
+          <p:cNvSpPr txBox="1">
+            <a:spLocks/>
+          </p:cNvSpPr>
+          <p:nvPr/>
+        </p:nvSpPr>
+        <p:spPr>
+          <a:xfrm>
+            <a:off x="4195225" y="2368175"/>
+            <a:ext cx="3129300" cy="711600"/>
+          </a:xfrm>
+          <a:prstGeom prst="rect">
+            <a:avLst/>
+          </a:prstGeom>
+          <a:noFill/>
+          <a:ln>
+            <a:noFill/>
+          </a:ln>
+        </p:spPr>
+        <p:txBody>
+          <a:bodyPr spcFirstLastPara="1" wrap="square" lIns="0" tIns="0" rIns="0" bIns="0" anchor="t" anchorCtr="0">
+            <a:noAutofit/>
+          </a:bodyPr>
+          <a:lstStyle>
+            <a:defPPr marR="0" lvl="0" algn="l" rtl="0">
+              <a:lnSpc>
+                <a:spcPct val="100000"/>
+              </a:lnSpc>
+              <a:spcBef>
+                <a:spcPts val="0"/>
+              </a:spcBef>
+              <a:spcAft>
+                <a:spcPts val="0"/>
+              </a:spcAft>
+            </a:defPPr>
+            <a:lvl1pPr marL="0" marR="0" lvl="0" indent="0" algn="l" rtl="0">
+              <a:lnSpc>
+                <a:spcPct val="128571"/>
+              </a:lnSpc>
+              <a:spcBef>
+                <a:spcPts val="0"/>
+              </a:spcBef>
+              <a:spcAft>
+                <a:spcPts val="0"/>
+              </a:spcAft>
+              <a:buClr>
+                <a:srgbClr val="000000"/>
+              </a:buClr>
+              <a:buFont typeface="Arial"/>
+              <a:buNone/>
+              <a:defRPr sz="1100" b="0" i="0" u="none" strike="noStrike" cap="none">
+                <a:solidFill>
+                  <a:schemeClr val="dk2"/>
+                </a:solidFill>
+                <a:latin typeface="Rubik"/>
+                <a:ea typeface="Rubik"/>
+                <a:cs typeface="Rubik"/>
+                <a:sym typeface="Rubik"/>
+              </a:defRPr>
+            </a:lvl1pPr>
+            <a:lvl2pPr marR="0" lvl="1" algn="l" rtl="0">
+              <a:lnSpc>
+                <a:spcPct val="115000"/>
+              </a:lnSpc>
+              <a:spcBef>
+                <a:spcPts val="0"/>
+              </a:spcBef>
+              <a:spcAft>
+                <a:spcPts val="0"/>
+              </a:spcAft>
+              <a:buClr>
+                <a:schemeClr val="dk2"/>
+              </a:buClr>
+              <a:buSzPts val="1400"/>
+              <a:buFont typeface="Rubik"/>
+              <a:buNone/>
+              <a:defRPr sz="1400" b="0" i="0" u="none" strike="noStrike" cap="none">
+                <a:solidFill>
+                  <a:schemeClr val="dk2"/>
+                </a:solidFill>
+                <a:latin typeface="Rubik"/>
+                <a:ea typeface="Rubik"/>
+                <a:cs typeface="Rubik"/>
+                <a:sym typeface="Rubik"/>
+              </a:defRPr>
+            </a:lvl2pPr>
+            <a:lvl3pPr marR="0" lvl="2" algn="l" rtl="0">
+              <a:lnSpc>
+                <a:spcPct val="115000"/>
+              </a:lnSpc>
+              <a:spcBef>
+                <a:spcPts val="0"/>
+              </a:spcBef>
+              <a:spcAft>
+                <a:spcPts val="0"/>
+              </a:spcAft>
+              <a:buClr>
+                <a:schemeClr val="dk2"/>
+              </a:buClr>
+              <a:buSzPts val="1400"/>
+              <a:buFont typeface="Rubik"/>
+              <a:buNone/>
+              <a:defRPr sz="1400" b="0" i="0" u="none" strike="noStrike" cap="none">
+                <a:solidFill>
+                  <a:schemeClr val="dk2"/>
+                </a:solidFill>
+                <a:latin typeface="Rubik"/>
+                <a:ea typeface="Rubik"/>
+                <a:cs typeface="Rubik"/>
+                <a:sym typeface="Rubik"/>
+              </a:defRPr>
+            </a:lvl3pPr>
+            <a:lvl4pPr marR="0" lvl="3" algn="l" rtl="0">
+              <a:lnSpc>
+                <a:spcPct val="115000"/>
+              </a:lnSpc>
+              <a:spcBef>
+                <a:spcPts val="0"/>
+              </a:spcBef>
+              <a:spcAft>
+                <a:spcPts val="0"/>
+              </a:spcAft>
+              <a:buClr>
+                <a:schemeClr val="dk2"/>
+              </a:buClr>
+              <a:buSzPts val="1400"/>
+              <a:buFont typeface="Rubik"/>
+              <a:buNone/>
+              <a:defRPr sz="1400" b="0" i="0" u="none" strike="noStrike" cap="none">
+                <a:solidFill>
+                  <a:schemeClr val="dk2"/>
+                </a:solidFill>
+                <a:latin typeface="Rubik"/>
+                <a:ea typeface="Rubik"/>
+                <a:cs typeface="Rubik"/>
+                <a:sym typeface="Rubik"/>
+              </a:defRPr>
+            </a:lvl4pPr>
+            <a:lvl5pPr marR="0" lvl="4" algn="l" rtl="0">
+              <a:lnSpc>
+                <a:spcPct val="115000"/>
+              </a:lnSpc>
+              <a:spcBef>
+                <a:spcPts val="0"/>
+              </a:spcBef>
+              <a:spcAft>
+                <a:spcPts val="0"/>
+              </a:spcAft>
+              <a:buClr>
+                <a:schemeClr val="dk2"/>
+              </a:buClr>
+              <a:buSzPts val="1400"/>
+              <a:buFont typeface="Rubik"/>
+              <a:buNone/>
+              <a:defRPr sz="1400" b="0" i="0" u="none" strike="noStrike" cap="none">
+                <a:solidFill>
+                  <a:schemeClr val="dk2"/>
+                </a:solidFill>
+                <a:latin typeface="Rubik"/>
+                <a:ea typeface="Rubik"/>
+                <a:cs typeface="Rubik"/>
+                <a:sym typeface="Rubik"/>
+              </a:defRPr>
+            </a:lvl5pPr>
+            <a:lvl6pPr marR="0" lvl="5" algn="l" rtl="0">
+              <a:lnSpc>
+                <a:spcPct val="115000"/>
+              </a:lnSpc>
+              <a:spcBef>
+                <a:spcPts val="0"/>
+              </a:spcBef>
+              <a:spcAft>
+                <a:spcPts val="0"/>
+              </a:spcAft>
+              <a:buClr>
+                <a:schemeClr val="dk2"/>
+              </a:buClr>
+              <a:buSzPts val="1400"/>
+              <a:buFont typeface="Rubik"/>
+              <a:buNone/>
+              <a:defRPr sz="1400" b="0" i="0" u="none" strike="noStrike" cap="none">
+                <a:solidFill>
+                  <a:schemeClr val="dk2"/>
+                </a:solidFill>
+                <a:latin typeface="Rubik"/>
+                <a:ea typeface="Rubik"/>
+                <a:cs typeface="Rubik"/>
+                <a:sym typeface="Rubik"/>
+              </a:defRPr>
+            </a:lvl6pPr>
+            <a:lvl7pPr marR="0" lvl="6" algn="l" rtl="0">
+              <a:lnSpc>
+                <a:spcPct val="115000"/>
+              </a:lnSpc>
+              <a:spcBef>
+                <a:spcPts val="0"/>
+              </a:spcBef>
+              <a:spcAft>
+                <a:spcPts val="0"/>
+              </a:spcAft>
+              <a:buClr>
+                <a:schemeClr val="dk2"/>
+              </a:buClr>
+              <a:buSzPts val="1400"/>
+              <a:buFont typeface="Rubik"/>
+              <a:buNone/>
+              <a:defRPr sz="1400" b="0" i="0" u="none" strike="noStrike" cap="none">
+                <a:solidFill>
+                  <a:schemeClr val="dk2"/>
+                </a:solidFill>
+                <a:latin typeface="Rubik"/>
+                <a:ea typeface="Rubik"/>
+                <a:cs typeface="Rubik"/>
+                <a:sym typeface="Rubik"/>
+              </a:defRPr>
+            </a:lvl7pPr>
+            <a:lvl8pPr marR="0" lvl="7" algn="l" rtl="0">
+              <a:lnSpc>
+                <a:spcPct val="115000"/>
+              </a:lnSpc>
+              <a:spcBef>
+                <a:spcPts val="0"/>
+              </a:spcBef>
+              <a:spcAft>
+                <a:spcPts val="0"/>
+              </a:spcAft>
+              <a:buClr>
+                <a:schemeClr val="dk2"/>
+              </a:buClr>
+              <a:buSzPts val="1400"/>
+              <a:buFont typeface="Rubik"/>
+              <a:buNone/>
+              <a:defRPr sz="1400" b="0" i="0" u="none" strike="noStrike" cap="none">
+                <a:solidFill>
+                  <a:schemeClr val="dk2"/>
+                </a:solidFill>
+                <a:latin typeface="Rubik"/>
+                <a:ea typeface="Rubik"/>
+                <a:cs typeface="Rubik"/>
+                <a:sym typeface="Rubik"/>
+              </a:defRPr>
+            </a:lvl8pPr>
+            <a:lvl9pPr marR="0" lvl="8" algn="l" rtl="0">
+              <a:lnSpc>
+                <a:spcPct val="115000"/>
+              </a:lnSpc>
+              <a:spcBef>
+                <a:spcPts val="0"/>
+              </a:spcBef>
+              <a:spcAft>
+                <a:spcPts val="0"/>
+              </a:spcAft>
+              <a:buClr>
+                <a:schemeClr val="dk2"/>
+              </a:buClr>
+              <a:buSzPts val="1400"/>
+              <a:buFont typeface="Rubik"/>
+              <a:buNone/>
+              <a:defRPr sz="1400" b="0" i="0" u="none" strike="noStrike" cap="none">
+                <a:solidFill>
+                  <a:schemeClr val="dk2"/>
+                </a:solidFill>
+                <a:latin typeface="Rubik"/>
+                <a:ea typeface="Rubik"/>
+                <a:cs typeface="Rubik"/>
+                <a:sym typeface="Rubik"/>
+              </a:defRPr>
+            </a:lvl9pPr>
+          </a:lstStyle>
+          <a:p>
+            <a:r>
+              <a:rPr lang="en-US" dirty="0"/>
+              <a:t>Additional research to be done adding new data such as work from home statistics, jobs data, and electric car sales.</a:t>
+            </a:r>
+          </a:p>
+        </p:txBody>
+      </p:sp>
+      <p:sp>
+        <p:nvSpPr>
+          <p:cNvPr id="14" name="Subtitle 7">
+            <a:extLst>
+              <a:ext uri="{FF2B5EF4-FFF2-40B4-BE49-F238E27FC236}">
+                <a16:creationId xmlns:a16="http://schemas.microsoft.com/office/drawing/2014/main" id="{EF756484-8833-4596-9A40-516EA850B6B4}"/>
+              </a:ext>
+            </a:extLst>
+          </p:cNvPr>
+          <p:cNvSpPr txBox="1">
+            <a:spLocks/>
+          </p:cNvSpPr>
+          <p:nvPr/>
+        </p:nvSpPr>
+        <p:spPr>
+          <a:xfrm>
+            <a:off x="4195225" y="2112650"/>
+            <a:ext cx="3336000" cy="252600"/>
+          </a:xfrm>
+          <a:prstGeom prst="rect">
+            <a:avLst/>
+          </a:prstGeom>
+          <a:noFill/>
+          <a:ln>
+            <a:noFill/>
+          </a:ln>
+        </p:spPr>
+        <p:txBody>
+          <a:bodyPr spcFirstLastPara="1" wrap="square" lIns="0" tIns="0" rIns="0" bIns="0" anchor="t" anchorCtr="0">
+            <a:noAutofit/>
+          </a:bodyPr>
+          <a:lstStyle>
+            <a:defPPr marR="0" lvl="0" algn="l" rtl="0">
+              <a:lnSpc>
+                <a:spcPct val="100000"/>
+              </a:lnSpc>
+              <a:spcBef>
+                <a:spcPts val="0"/>
+              </a:spcBef>
+              <a:spcAft>
+                <a:spcPts val="0"/>
+              </a:spcAft>
+            </a:defPPr>
+            <a:lvl1pPr marL="0" marR="0" lvl="0" indent="0" algn="l" rtl="0">
+              <a:lnSpc>
+                <a:spcPct val="116666"/>
+              </a:lnSpc>
+              <a:spcBef>
+                <a:spcPts val="0"/>
+              </a:spcBef>
+              <a:spcAft>
+                <a:spcPts val="0"/>
+              </a:spcAft>
+              <a:buClr>
+                <a:srgbClr val="000000"/>
+              </a:buClr>
+              <a:buFont typeface="Arial"/>
+              <a:buNone/>
+              <a:defRPr sz="1400" b="0" i="0" u="none" strike="noStrike" cap="none">
+                <a:solidFill>
+                  <a:srgbClr val="414A5B"/>
+                </a:solidFill>
+                <a:latin typeface="Rubik Medium"/>
+                <a:ea typeface="Rubik Medium"/>
+                <a:cs typeface="Rubik Medium"/>
+                <a:sym typeface="Rubik Medium"/>
+              </a:defRPr>
+            </a:lvl1pPr>
+            <a:lvl2pPr marR="0" lvl="1" algn="l" rtl="0">
+              <a:lnSpc>
+                <a:spcPct val="115000"/>
+              </a:lnSpc>
+              <a:spcBef>
+                <a:spcPts val="0"/>
+              </a:spcBef>
+              <a:spcAft>
+                <a:spcPts val="0"/>
+              </a:spcAft>
+              <a:buClr>
+                <a:schemeClr val="dk2"/>
+              </a:buClr>
+              <a:buSzPts val="1400"/>
+              <a:buFont typeface="Rubik Medium"/>
+              <a:buNone/>
+              <a:defRPr sz="1400" b="0" i="0" u="none" strike="noStrike" cap="none">
+                <a:solidFill>
+                  <a:schemeClr val="dk2"/>
+                </a:solidFill>
+                <a:latin typeface="Rubik Medium"/>
+                <a:ea typeface="Rubik Medium"/>
+                <a:cs typeface="Rubik Medium"/>
+                <a:sym typeface="Rubik Medium"/>
+              </a:defRPr>
+            </a:lvl2pPr>
+            <a:lvl3pPr marR="0" lvl="2" algn="l" rtl="0">
+              <a:lnSpc>
+                <a:spcPct val="115000"/>
+              </a:lnSpc>
+              <a:spcBef>
+                <a:spcPts val="0"/>
+              </a:spcBef>
+              <a:spcAft>
+                <a:spcPts val="0"/>
+              </a:spcAft>
+              <a:buClr>
+                <a:schemeClr val="dk2"/>
+              </a:buClr>
+              <a:buSzPts val="1400"/>
+              <a:buFont typeface="Rubik Medium"/>
+              <a:buNone/>
+              <a:defRPr sz="1400" b="0" i="0" u="none" strike="noStrike" cap="none">
+                <a:solidFill>
+                  <a:schemeClr val="dk2"/>
+                </a:solidFill>
+                <a:latin typeface="Rubik Medium"/>
+                <a:ea typeface="Rubik Medium"/>
+                <a:cs typeface="Rubik Medium"/>
+                <a:sym typeface="Rubik Medium"/>
+              </a:defRPr>
+            </a:lvl3pPr>
+            <a:lvl4pPr marR="0" lvl="3" algn="l" rtl="0">
+              <a:lnSpc>
+                <a:spcPct val="115000"/>
+              </a:lnSpc>
+              <a:spcBef>
+                <a:spcPts val="0"/>
+              </a:spcBef>
+              <a:spcAft>
+                <a:spcPts val="0"/>
+              </a:spcAft>
+              <a:buClr>
+                <a:schemeClr val="dk2"/>
+              </a:buClr>
+              <a:buSzPts val="1400"/>
+              <a:buFont typeface="Rubik Medium"/>
+              <a:buNone/>
+              <a:defRPr sz="1400" b="0" i="0" u="none" strike="noStrike" cap="none">
+                <a:solidFill>
+                  <a:schemeClr val="dk2"/>
+                </a:solidFill>
+                <a:latin typeface="Rubik Medium"/>
+                <a:ea typeface="Rubik Medium"/>
+                <a:cs typeface="Rubik Medium"/>
+                <a:sym typeface="Rubik Medium"/>
+              </a:defRPr>
+            </a:lvl4pPr>
+            <a:lvl5pPr marR="0" lvl="4" algn="l" rtl="0">
+              <a:lnSpc>
+                <a:spcPct val="115000"/>
+              </a:lnSpc>
+              <a:spcBef>
+                <a:spcPts val="0"/>
+              </a:spcBef>
+              <a:spcAft>
+                <a:spcPts val="0"/>
+              </a:spcAft>
+              <a:buClr>
+                <a:schemeClr val="dk2"/>
+              </a:buClr>
+              <a:buSzPts val="1400"/>
+              <a:buFont typeface="Rubik Medium"/>
+              <a:buNone/>
+              <a:defRPr sz="1400" b="0" i="0" u="none" strike="noStrike" cap="none">
+                <a:solidFill>
+                  <a:schemeClr val="dk2"/>
+                </a:solidFill>
+                <a:latin typeface="Rubik Medium"/>
+                <a:ea typeface="Rubik Medium"/>
+                <a:cs typeface="Rubik Medium"/>
+                <a:sym typeface="Rubik Medium"/>
+              </a:defRPr>
+            </a:lvl5pPr>
+            <a:lvl6pPr marR="0" lvl="5" algn="l" rtl="0">
+              <a:lnSpc>
+                <a:spcPct val="115000"/>
+              </a:lnSpc>
+              <a:spcBef>
+                <a:spcPts val="0"/>
+              </a:spcBef>
+              <a:spcAft>
+                <a:spcPts val="0"/>
+              </a:spcAft>
+              <a:buClr>
+                <a:schemeClr val="dk2"/>
+              </a:buClr>
+              <a:buSzPts val="1400"/>
+              <a:buFont typeface="Rubik Medium"/>
+              <a:buNone/>
+              <a:defRPr sz="1400" b="0" i="0" u="none" strike="noStrike" cap="none">
+                <a:solidFill>
+                  <a:schemeClr val="dk2"/>
+                </a:solidFill>
+                <a:latin typeface="Rubik Medium"/>
+                <a:ea typeface="Rubik Medium"/>
+                <a:cs typeface="Rubik Medium"/>
+                <a:sym typeface="Rubik Medium"/>
+              </a:defRPr>
+            </a:lvl6pPr>
+            <a:lvl7pPr marR="0" lvl="6" algn="l" rtl="0">
+              <a:lnSpc>
+                <a:spcPct val="115000"/>
+              </a:lnSpc>
+              <a:spcBef>
+                <a:spcPts val="0"/>
+              </a:spcBef>
+              <a:spcAft>
+                <a:spcPts val="0"/>
+              </a:spcAft>
+              <a:buClr>
+                <a:schemeClr val="dk2"/>
+              </a:buClr>
+              <a:buSzPts val="1400"/>
+              <a:buFont typeface="Rubik Medium"/>
+              <a:buNone/>
+              <a:defRPr sz="1400" b="0" i="0" u="none" strike="noStrike" cap="none">
+                <a:solidFill>
+                  <a:schemeClr val="dk2"/>
+                </a:solidFill>
+                <a:latin typeface="Rubik Medium"/>
+                <a:ea typeface="Rubik Medium"/>
+                <a:cs typeface="Rubik Medium"/>
+                <a:sym typeface="Rubik Medium"/>
+              </a:defRPr>
+            </a:lvl7pPr>
+            <a:lvl8pPr marR="0" lvl="7" algn="l" rtl="0">
+              <a:lnSpc>
+                <a:spcPct val="115000"/>
+              </a:lnSpc>
+              <a:spcBef>
+                <a:spcPts val="0"/>
+              </a:spcBef>
+              <a:spcAft>
+                <a:spcPts val="0"/>
+              </a:spcAft>
+              <a:buClr>
+                <a:schemeClr val="dk2"/>
+              </a:buClr>
+              <a:buSzPts val="1400"/>
+              <a:buFont typeface="Rubik Medium"/>
+              <a:buNone/>
+              <a:defRPr sz="1400" b="0" i="0" u="none" strike="noStrike" cap="none">
+                <a:solidFill>
+                  <a:schemeClr val="dk2"/>
+                </a:solidFill>
+                <a:latin typeface="Rubik Medium"/>
+                <a:ea typeface="Rubik Medium"/>
+                <a:cs typeface="Rubik Medium"/>
+                <a:sym typeface="Rubik Medium"/>
+              </a:defRPr>
+            </a:lvl8pPr>
+            <a:lvl9pPr marR="0" lvl="8" algn="l" rtl="0">
+              <a:lnSpc>
+                <a:spcPct val="115000"/>
+              </a:lnSpc>
+              <a:spcBef>
+                <a:spcPts val="0"/>
+              </a:spcBef>
+              <a:spcAft>
+                <a:spcPts val="0"/>
+              </a:spcAft>
+              <a:buClr>
+                <a:schemeClr val="dk2"/>
+              </a:buClr>
+              <a:buSzPts val="1400"/>
+              <a:buFont typeface="Rubik Medium"/>
+              <a:buNone/>
+              <a:defRPr sz="1400" b="0" i="0" u="none" strike="noStrike" cap="none">
+                <a:solidFill>
+                  <a:schemeClr val="dk2"/>
+                </a:solidFill>
+                <a:latin typeface="Rubik Medium"/>
+                <a:ea typeface="Rubik Medium"/>
+                <a:cs typeface="Rubik Medium"/>
+                <a:sym typeface="Rubik Medium"/>
+              </a:defRPr>
+            </a:lvl9pPr>
+          </a:lstStyle>
+          <a:p>
+            <a:r>
+              <a:rPr lang="en-US" dirty="0"/>
+              <a:t>Analysis Additional Data </a:t>
+            </a:r>
+            <a:br>
+              <a:rPr lang="en-US" dirty="0"/>
+            </a:br>
+            <a:endParaRPr lang="en-US" dirty="0"/>
           </a:p>
         </p:txBody>
       </p:sp>

--- a/documents/SafeGraph 1015 presentation.pptx
+++ b/documents/SafeGraph 1015 presentation.pptx
@@ -12389,7 +12389,15 @@
             </a:pPr>
             <a:r>
               <a:rPr lang="en" sz="3200" dirty="0"/>
-              <a:t>Gas Station Customer Profiles 7/2019 vs 7/2021</a:t>
+              <a:t>Gas </a:t>
+            </a:r>
+            <a:r>
+              <a:rPr lang="en" sz="3200"/>
+              <a:t>Station Traffic </a:t>
+            </a:r>
+            <a:r>
+              <a:rPr lang="en" sz="3200" dirty="0"/>
+              <a:t>Profiles 7/2019 vs 7/2021</a:t>
             </a:r>
             <a:endParaRPr sz="3200" dirty="0"/>
           </a:p>
